--- a/Reference/ONLINE BLOOD DONATION.pptx
+++ b/Reference/ONLINE BLOOD DONATION.pptx
@@ -3648,11 +3648,7 @@
           <a:p>
             <a:r>
               <a:rPr lang="en-US" sz="2000" b="1" dirty="0" smtClean="0"/>
-              <a:t>ONLINE </a:t>
-            </a:r>
-            <a:r>
-              <a:rPr lang="en-US" sz="2000" b="1" dirty="0" smtClean="0"/>
-              <a:t>BLOOD DONATION</a:t>
+              <a:t>ONLINE BLOOD DONATION</a:t>
             </a:r>
           </a:p>
           <a:p>
@@ -4136,61 +4132,8 @@
             <a:pPr algn="just"/>
             <a:r>
               <a:rPr lang="en-US" sz="2400" dirty="0" smtClean="0"/>
-              <a:t>OBD </a:t>
-            </a:r>
-            <a:r>
-              <a:rPr lang="en-US" sz="2400" dirty="0" smtClean="0"/>
-              <a:t>is online application </a:t>
-            </a:r>
-            <a:r>
-              <a:rPr lang="en-US" sz="2400" dirty="0" smtClean="0"/>
-              <a:t>for general public to publish </a:t>
-            </a:r>
-            <a:r>
-              <a:rPr lang="en-US" sz="2400" dirty="0" smtClean="0"/>
-              <a:t>and update notice and related Information. </a:t>
-            </a:r>
-            <a:r>
-              <a:rPr lang="en-US" sz="2400" dirty="0" smtClean="0"/>
-              <a:t>OBD </a:t>
-            </a:r>
-            <a:r>
-              <a:rPr lang="en-US" sz="2400" dirty="0" smtClean="0"/>
-              <a:t>is a web application that can be accessed by </a:t>
-            </a:r>
-            <a:r>
-              <a:rPr lang="en-US" sz="2400" dirty="0" smtClean="0"/>
-              <a:t>anyone to seek blood in emergency and for coming date. </a:t>
-            </a:r>
-            <a:r>
-              <a:rPr lang="en-US" sz="2400" dirty="0" smtClean="0"/>
-              <a:t>The </a:t>
-            </a:r>
-            <a:r>
-              <a:rPr lang="en-US" sz="2400" dirty="0" smtClean="0"/>
-              <a:t>event notice </a:t>
-            </a:r>
-            <a:r>
-              <a:rPr lang="en-US" sz="2400" dirty="0" smtClean="0"/>
-              <a:t>can </a:t>
-            </a:r>
-            <a:r>
-              <a:rPr lang="en-US" sz="2400" dirty="0" smtClean="0"/>
-              <a:t>be modify anytime if </a:t>
-            </a:r>
-            <a:r>
-              <a:rPr lang="en-US" sz="2400" dirty="0" smtClean="0"/>
-              <a:t>needed, with </a:t>
-            </a:r>
-            <a:r>
-              <a:rPr lang="en-US" sz="2400" dirty="0" smtClean="0"/>
-              <a:t>the help of </a:t>
-            </a:r>
-            <a:r>
-              <a:rPr lang="en-US" sz="2400" dirty="0" smtClean="0"/>
-              <a:t>OBD.</a:t>
-            </a:r>
-            <a:endParaRPr lang="en-US" sz="2400" dirty="0" smtClean="0"/>
+              <a:t>OBD is online application for general public to publish and update notice and related Information. OBD is a web application that can be accessed by anyone to seek blood in emergency and for coming date. The event notice can be modify anytime if needed, with the help of OBD.</a:t>
+            </a:r>
           </a:p>
           <a:p>
             <a:pPr algn="just"/>
@@ -4200,27 +4143,7 @@
             <a:pPr lvl="0" algn="just"/>
             <a:r>
               <a:rPr lang="en-US" sz="2400" dirty="0" smtClean="0"/>
-              <a:t>To provide a range of functionalities to </a:t>
-            </a:r>
-            <a:r>
-              <a:rPr lang="en-US" sz="2400" dirty="0" smtClean="0"/>
-              <a:t>admin and user</a:t>
-            </a:r>
-            <a:r>
-              <a:rPr lang="en-US" sz="2400" dirty="0" smtClean="0"/>
-              <a:t> for managing the </a:t>
-            </a:r>
-            <a:r>
-              <a:rPr lang="en-US" sz="2400" dirty="0" smtClean="0"/>
-              <a:t>notices. It includes adding, editing  and deleting the notices. </a:t>
-            </a:r>
-            <a:r>
-              <a:rPr lang="en-US" sz="2400" dirty="0" smtClean="0"/>
-              <a:t>OBD </a:t>
-            </a:r>
-            <a:r>
-              <a:rPr lang="en-US" sz="2400" dirty="0" smtClean="0"/>
-              <a:t>will be developed using a high level object oriented programming language ASP.NET with .net  framework version 4.0</a:t>
+              <a:t>To provide a range of functionalities to admin and user for managing the notices. It includes adding, editing  and deleting the notices. OBD will be developed using a high level object oriented programming language ASP.NET with .net  framework version 4.0</a:t>
             </a:r>
             <a:endParaRPr lang="en-US" sz="2400" dirty="0"/>
           </a:p>
@@ -4321,94 +4244,36 @@
             <a:pPr lvl="0" algn="just"/>
             <a:r>
               <a:rPr lang="en-US" sz="2400" dirty="0" smtClean="0"/>
-              <a:t>To provide an easy </a:t>
-            </a:r>
+              <a:t>To provide an easy access to blood donors anywhere using internet.</a:t>
+            </a:r>
+          </a:p>
+          <a:p>
+            <a:pPr lvl="0" algn="just"/>
             <a:r>
               <a:rPr lang="en-US" sz="2400" dirty="0" smtClean="0"/>
-              <a:t>access to blood donors </a:t>
-            </a:r>
+              <a:t>To provide blood seekers with an interface to view list of donors with different blood group and other details like, last donation date, best time to contact, medication etc. </a:t>
+            </a:r>
+          </a:p>
+          <a:p>
+            <a:pPr lvl="0" algn="just"/>
             <a:r>
               <a:rPr lang="en-US" sz="2400" dirty="0" smtClean="0"/>
-              <a:t>anywhere using internet.</a:t>
+              <a:t>Admin and members can also add event notice regarding  related issues.</a:t>
             </a:r>
           </a:p>
           <a:p>
             <a:pPr lvl="0" algn="just"/>
             <a:r>
               <a:rPr lang="en-US" sz="2400" dirty="0" smtClean="0"/>
-              <a:t>To </a:t>
-            </a:r>
+              <a:t>To provide functionalities to blood centers for managing the notices and status of the blood stock. It includes adding, editing  and deleting the related event and status of blood stock.</a:t>
+            </a:r>
+          </a:p>
+          <a:p>
+            <a:pPr lvl="0" algn="just"/>
             <a:r>
               <a:rPr lang="en-US" sz="2400" dirty="0" smtClean="0"/>
-              <a:t>provide blood seekers </a:t>
-            </a:r>
-            <a:r>
-              <a:rPr lang="en-US" sz="2400" dirty="0" smtClean="0"/>
-              <a:t>with an interface to </a:t>
-            </a:r>
-            <a:r>
-              <a:rPr lang="en-US" sz="2400" dirty="0" smtClean="0"/>
-              <a:t>view list of donors with different blood group and other details like, last donation date, best time to contact, medication etc. </a:t>
-            </a:r>
-          </a:p>
-          <a:p>
-            <a:pPr lvl="0" algn="just"/>
-            <a:r>
-              <a:rPr lang="en-US" sz="2400" dirty="0" smtClean="0"/>
-              <a:t>Admin and members can also add event notice </a:t>
-            </a:r>
-            <a:r>
-              <a:rPr lang="en-US" sz="2400" dirty="0" smtClean="0"/>
-              <a:t>regarding  related issues.</a:t>
-            </a:r>
-          </a:p>
-          <a:p>
-            <a:pPr lvl="0" algn="just"/>
-            <a:r>
-              <a:rPr lang="en-US" sz="2400" dirty="0" smtClean="0"/>
-              <a:t>To provide </a:t>
-            </a:r>
-            <a:r>
-              <a:rPr lang="en-US" sz="2400" dirty="0" smtClean="0"/>
-              <a:t>functionalities </a:t>
-            </a:r>
-            <a:r>
-              <a:rPr lang="en-US" sz="2400" dirty="0" smtClean="0"/>
-              <a:t>to </a:t>
-            </a:r>
-            <a:r>
-              <a:rPr lang="en-US" sz="2400" dirty="0" smtClean="0"/>
-              <a:t>blood centers </a:t>
-            </a:r>
-            <a:r>
-              <a:rPr lang="en-US" sz="2400" dirty="0" smtClean="0"/>
-              <a:t>for managing the </a:t>
-            </a:r>
-            <a:r>
-              <a:rPr lang="en-US" sz="2400" dirty="0" smtClean="0"/>
-              <a:t>notices and status of the blood stock. </a:t>
-            </a:r>
-            <a:r>
-              <a:rPr lang="en-US" sz="2400" dirty="0" smtClean="0"/>
-              <a:t>It includes adding, editing  and deleting the </a:t>
-            </a:r>
-            <a:r>
-              <a:rPr lang="en-US" sz="2400" dirty="0" smtClean="0"/>
-              <a:t>related event and status of blood stock.</a:t>
-            </a:r>
-            <a:endParaRPr lang="en-US" sz="2400" dirty="0" smtClean="0"/>
-          </a:p>
-          <a:p>
-            <a:pPr lvl="0" algn="just"/>
-            <a:r>
-              <a:rPr lang="en-US" sz="2400" dirty="0" smtClean="0"/>
-              <a:t>To provide admin with the authority </a:t>
-            </a:r>
-            <a:r>
-              <a:rPr lang="en-US" sz="2400" dirty="0" smtClean="0"/>
-              <a:t>of verifying member on the basis of proof provided by the member.</a:t>
-            </a:r>
-            <a:endParaRPr lang="en-US" sz="2400" dirty="0" smtClean="0"/>
+              <a:t>To provide admin with the authority of verifying member on the basis of proof provided by the member.</a:t>
+            </a:r>
           </a:p>
         </p:txBody>
       </p:sp>
@@ -4553,44 +4418,8 @@
                 </a:effectLst>
                 <a:latin typeface="Century Gothic" panose="020B0502020202020204" pitchFamily="34" charset="0"/>
               </a:rPr>
-              <a:t>Seekers </a:t>
-            </a:r>
-            <a:r>
-              <a:rPr lang="en-US" sz="2800" dirty="0" smtClean="0">
-                <a:effectLst>
-                  <a:outerShdw blurRad="38100" dist="38100" dir="2700000" algn="tl">
-                    <a:srgbClr val="000000">
-                      <a:alpha val="43137"/>
-                    </a:srgbClr>
-                  </a:outerShdw>
-                </a:effectLst>
-                <a:latin typeface="Century Gothic" panose="020B0502020202020204" pitchFamily="34" charset="0"/>
-              </a:rPr>
-              <a:t>are Not able to </a:t>
-            </a:r>
-            <a:r>
-              <a:rPr lang="en-US" sz="2800" dirty="0" smtClean="0">
-                <a:effectLst>
-                  <a:outerShdw blurRad="38100" dist="38100" dir="2700000" algn="tl">
-                    <a:srgbClr val="000000">
-                      <a:alpha val="43137"/>
-                    </a:srgbClr>
-                  </a:outerShdw>
-                </a:effectLst>
-                <a:latin typeface="Century Gothic" panose="020B0502020202020204" pitchFamily="34" charset="0"/>
-              </a:rPr>
-              <a:t>get required amount of blood in one place.</a:t>
-            </a:r>
-            <a:endParaRPr lang="en-US" sz="2800" dirty="0" smtClean="0">
-              <a:effectLst>
-                <a:outerShdw blurRad="38100" dist="38100" dir="2700000" algn="tl">
-                  <a:srgbClr val="000000">
-                    <a:alpha val="43137"/>
-                  </a:srgbClr>
-                </a:outerShdw>
-              </a:effectLst>
-              <a:latin typeface="Century Gothic" panose="020B0502020202020204" pitchFamily="34" charset="0"/>
-            </a:endParaRPr>
+              <a:t>Seekers are Not able to get required amount of blood in one place.</a:t>
+            </a:r>
           </a:p>
           <a:p>
             <a:pPr>
@@ -4610,16 +4439,6 @@
               </a:rPr>
               <a:t>Stock in blood bank is unknown.</a:t>
             </a:r>
-            <a:endParaRPr lang="en-US" dirty="0" smtClean="0">
-              <a:effectLst>
-                <a:outerShdw blurRad="38100" dist="38100" dir="2700000" algn="tl">
-                  <a:srgbClr val="000000">
-                    <a:alpha val="43137"/>
-                  </a:srgbClr>
-                </a:outerShdw>
-              </a:effectLst>
-              <a:latin typeface="Century Gothic" panose="020B0502020202020204" pitchFamily="34" charset="0"/>
-            </a:endParaRPr>
           </a:p>
           <a:p>
             <a:pPr>
@@ -4639,16 +4458,6 @@
               </a:rPr>
               <a:t>Lack of blood leads to death of the patient.</a:t>
             </a:r>
-            <a:endParaRPr lang="en-US" sz="2800" dirty="0" smtClean="0">
-              <a:effectLst>
-                <a:outerShdw blurRad="38100" dist="38100" dir="2700000" algn="tl">
-                  <a:srgbClr val="000000">
-                    <a:alpha val="43137"/>
-                  </a:srgbClr>
-                </a:outerShdw>
-              </a:effectLst>
-              <a:latin typeface="Century Gothic" panose="020B0502020202020204" pitchFamily="34" charset="0"/>
-            </a:endParaRPr>
           </a:p>
           <a:p>
             <a:pPr>
@@ -4668,6 +4477,25 @@
               </a:rPr>
               <a:t>Problem in finding required blood group from one place.</a:t>
             </a:r>
+          </a:p>
+          <a:p>
+            <a:pPr>
+              <a:buFont typeface="Wingdings" panose="05000000000000000000" pitchFamily="2" charset="2"/>
+              <a:buChar char="v"/>
+            </a:pPr>
+            <a:r>
+              <a:rPr lang="en-US" dirty="0" smtClean="0">
+                <a:effectLst>
+                  <a:outerShdw blurRad="38100" dist="38100" dir="2700000" algn="tl">
+                    <a:srgbClr val="000000">
+                      <a:alpha val="43137"/>
+                    </a:srgbClr>
+                  </a:outerShdw>
+                </a:effectLst>
+                <a:latin typeface="Century Gothic" panose="020B0502020202020204" pitchFamily="34" charset="0"/>
+              </a:rPr>
+              <a:t>Contacts of the eligible donors are hard to find because of irregular and improper management of donor’s record.</a:t>
+            </a:r>
             <a:endParaRPr lang="en-US" sz="2800" dirty="0" smtClean="0">
               <a:effectLst>
                 <a:outerShdw blurRad="38100" dist="38100" dir="2700000" algn="tl">
@@ -4695,101 +4523,7 @@
                 </a:effectLst>
                 <a:latin typeface="Century Gothic" panose="020B0502020202020204" pitchFamily="34" charset="0"/>
               </a:rPr>
-              <a:t>Contacts of the eligible donors are hard to find because of irregular and improper management of donor’s record</a:t>
-            </a:r>
-            <a:r>
-              <a:rPr lang="en-US" dirty="0" smtClean="0">
-                <a:effectLst>
-                  <a:outerShdw blurRad="38100" dist="38100" dir="2700000" algn="tl">
-                    <a:srgbClr val="000000">
-                      <a:alpha val="43137"/>
-                    </a:srgbClr>
-                  </a:outerShdw>
-                </a:effectLst>
-                <a:latin typeface="Century Gothic" panose="020B0502020202020204" pitchFamily="34" charset="0"/>
-              </a:rPr>
-              <a:t>.</a:t>
-            </a:r>
-            <a:endParaRPr lang="en-US" sz="2800" dirty="0" smtClean="0">
-              <a:effectLst>
-                <a:outerShdw blurRad="38100" dist="38100" dir="2700000" algn="tl">
-                  <a:srgbClr val="000000">
-                    <a:alpha val="43137"/>
-                  </a:srgbClr>
-                </a:outerShdw>
-              </a:effectLst>
-              <a:latin typeface="Century Gothic" panose="020B0502020202020204" pitchFamily="34" charset="0"/>
-            </a:endParaRPr>
-          </a:p>
-          <a:p>
-            <a:pPr>
-              <a:buFont typeface="Wingdings" panose="05000000000000000000" pitchFamily="2" charset="2"/>
-              <a:buChar char="v"/>
-            </a:pPr>
-            <a:r>
-              <a:rPr lang="en-US" dirty="0" smtClean="0">
-                <a:effectLst>
-                  <a:outerShdw blurRad="38100" dist="38100" dir="2700000" algn="tl">
-                    <a:srgbClr val="000000">
-                      <a:alpha val="43137"/>
-                    </a:srgbClr>
-                  </a:outerShdw>
-                </a:effectLst>
-                <a:latin typeface="Century Gothic" panose="020B0502020202020204" pitchFamily="34" charset="0"/>
-              </a:rPr>
-              <a:t>Due to technical </a:t>
-            </a:r>
-            <a:r>
-              <a:rPr lang="en-US" dirty="0" smtClean="0">
-                <a:effectLst>
-                  <a:outerShdw blurRad="38100" dist="38100" dir="2700000" algn="tl">
-                    <a:srgbClr val="000000">
-                      <a:alpha val="43137"/>
-                    </a:srgbClr>
-                  </a:outerShdw>
-                </a:effectLst>
-                <a:latin typeface="Century Gothic" panose="020B0502020202020204" pitchFamily="34" charset="0"/>
-              </a:rPr>
-              <a:t>Problems </a:t>
-            </a:r>
-            <a:r>
-              <a:rPr lang="en-US" dirty="0" smtClean="0">
-                <a:effectLst>
-                  <a:outerShdw blurRad="38100" dist="38100" dir="2700000" algn="tl">
-                    <a:srgbClr val="000000">
-                      <a:alpha val="43137"/>
-                    </a:srgbClr>
-                  </a:outerShdw>
-                </a:effectLst>
-                <a:latin typeface="Century Gothic" panose="020B0502020202020204" pitchFamily="34" charset="0"/>
-              </a:rPr>
-              <a:t>requests are not fulfilled on </a:t>
-            </a:r>
-            <a:r>
-              <a:rPr lang="en-US" dirty="0" smtClean="0">
-                <a:effectLst>
-                  <a:outerShdw blurRad="38100" dist="38100" dir="2700000" algn="tl">
-                    <a:srgbClr val="000000">
-                      <a:alpha val="43137"/>
-                    </a:srgbClr>
-                  </a:outerShdw>
-                </a:effectLst>
-                <a:latin typeface="Century Gothic" panose="020B0502020202020204" pitchFamily="34" charset="0"/>
-              </a:rPr>
-              <a:t>time</a:t>
-            </a:r>
-            <a:r>
-              <a:rPr lang="en-US" dirty="0" smtClean="0">
-                <a:effectLst>
-                  <a:outerShdw blurRad="38100" dist="38100" dir="2700000" algn="tl">
-                    <a:srgbClr val="000000">
-                      <a:alpha val="43137"/>
-                    </a:srgbClr>
-                  </a:outerShdw>
-                </a:effectLst>
-                <a:latin typeface="Century Gothic" panose="020B0502020202020204" pitchFamily="34" charset="0"/>
-              </a:rPr>
-              <a:t>.</a:t>
+              <a:t>Due to technical Problems requests are not fulfilled on time.</a:t>
             </a:r>
           </a:p>
           <a:p>
@@ -4949,46 +4683,7 @@
                 </a:effectLst>
                 <a:latin typeface="Century Gothic" panose="020B0502020202020204" pitchFamily="34" charset="0"/>
               </a:rPr>
-              <a:t>OBD </a:t>
-            </a:r>
-            <a:r>
-              <a:rPr lang="en-US" sz="2800" dirty="0" smtClean="0">
-                <a:effectLst>
-                  <a:outerShdw blurRad="38100" dist="38100" dir="2700000" algn="tl">
-                    <a:srgbClr val="000000">
-                      <a:alpha val="43137"/>
-                    </a:srgbClr>
-                  </a:outerShdw>
-                </a:effectLst>
-                <a:latin typeface="Century Gothic" panose="020B0502020202020204" pitchFamily="34" charset="0"/>
-              </a:rPr>
-              <a:t>helps to post New </a:t>
-            </a:r>
-            <a:r>
-              <a:rPr lang="en-US" sz="2800" dirty="0" smtClean="0">
-                <a:effectLst>
-                  <a:outerShdw blurRad="38100" dist="38100" dir="2700000" algn="tl">
-                    <a:srgbClr val="000000">
-                      <a:alpha val="43137"/>
-                    </a:srgbClr>
-                  </a:outerShdw>
-                </a:effectLst>
-                <a:latin typeface="Century Gothic" panose="020B0502020202020204" pitchFamily="34" charset="0"/>
-              </a:rPr>
-              <a:t>Notice and requirements </a:t>
-            </a:r>
-            <a:r>
-              <a:rPr lang="en-US" sz="2800" dirty="0" smtClean="0">
-                <a:effectLst>
-                  <a:outerShdw blurRad="38100" dist="38100" dir="2700000" algn="tl">
-                    <a:srgbClr val="000000">
-                      <a:alpha val="43137"/>
-                    </a:srgbClr>
-                  </a:outerShdw>
-                </a:effectLst>
-                <a:latin typeface="Century Gothic" panose="020B0502020202020204" pitchFamily="34" charset="0"/>
-              </a:rPr>
-              <a:t>anytime from any where.</a:t>
+              <a:t>OBD helps to post New Notice and requirements anytime from any where.</a:t>
             </a:r>
           </a:p>
           <a:p>
@@ -5007,8 +4702,24 @@
                 </a:effectLst>
                 <a:latin typeface="Century Gothic" panose="020B0502020202020204" pitchFamily="34" charset="0"/>
               </a:rPr>
-              <a:t>donors</a:t>
-            </a:r>
+              <a:t>donors can check and publish notice from any where any time.</a:t>
+            </a:r>
+            <a:endParaRPr lang="en-US" sz="2800" dirty="0" smtClean="0">
+              <a:effectLst>
+                <a:outerShdw blurRad="38100" dist="38100" dir="2700000" algn="tl">
+                  <a:srgbClr val="000000">
+                    <a:alpha val="43137"/>
+                  </a:srgbClr>
+                </a:outerShdw>
+              </a:effectLst>
+              <a:latin typeface="Century Gothic" panose="020B0502020202020204" pitchFamily="34" charset="0"/>
+            </a:endParaRPr>
+          </a:p>
+          <a:p>
+            <a:pPr algn="just">
+              <a:buFont typeface="Wingdings" panose="05000000000000000000" pitchFamily="2" charset="2"/>
+              <a:buChar char="v"/>
+            </a:pPr>
             <a:r>
               <a:rPr lang="en-US" dirty="0" smtClean="0">
                 <a:effectLst>
@@ -5020,112 +4731,8 @@
                 </a:effectLst>
                 <a:latin typeface="Century Gothic" panose="020B0502020202020204" pitchFamily="34" charset="0"/>
               </a:rPr>
-              <a:t> </a:t>
-            </a:r>
-            <a:r>
-              <a:rPr lang="en-US" dirty="0" smtClean="0">
-                <a:effectLst>
-                  <a:outerShdw blurRad="38100" dist="38100" dir="2700000" algn="tl">
-                    <a:srgbClr val="000000">
-                      <a:alpha val="43137"/>
-                    </a:srgbClr>
-                  </a:outerShdw>
-                </a:effectLst>
-                <a:latin typeface="Century Gothic" panose="020B0502020202020204" pitchFamily="34" charset="0"/>
-              </a:rPr>
-              <a:t>can </a:t>
-            </a:r>
-            <a:r>
-              <a:rPr lang="en-US" dirty="0" smtClean="0">
-                <a:effectLst>
-                  <a:outerShdw blurRad="38100" dist="38100" dir="2700000" algn="tl">
-                    <a:srgbClr val="000000">
-                      <a:alpha val="43137"/>
-                    </a:srgbClr>
-                  </a:outerShdw>
-                </a:effectLst>
-                <a:latin typeface="Century Gothic" panose="020B0502020202020204" pitchFamily="34" charset="0"/>
-              </a:rPr>
-              <a:t>check and publish </a:t>
-            </a:r>
-            <a:r>
-              <a:rPr lang="en-US" dirty="0" smtClean="0">
-                <a:effectLst>
-                  <a:outerShdw blurRad="38100" dist="38100" dir="2700000" algn="tl">
-                    <a:srgbClr val="000000">
-                      <a:alpha val="43137"/>
-                    </a:srgbClr>
-                  </a:outerShdw>
-                </a:effectLst>
-                <a:latin typeface="Century Gothic" panose="020B0502020202020204" pitchFamily="34" charset="0"/>
-              </a:rPr>
-              <a:t>notice from any where any time.</a:t>
-            </a:r>
-            <a:endParaRPr lang="en-US" sz="2800" dirty="0" smtClean="0">
-              <a:effectLst>
-                <a:outerShdw blurRad="38100" dist="38100" dir="2700000" algn="tl">
-                  <a:srgbClr val="000000">
-                    <a:alpha val="43137"/>
-                  </a:srgbClr>
-                </a:outerShdw>
-              </a:effectLst>
-              <a:latin typeface="Century Gothic" panose="020B0502020202020204" pitchFamily="34" charset="0"/>
-            </a:endParaRPr>
-          </a:p>
-          <a:p>
-            <a:pPr algn="just">
-              <a:buFont typeface="Wingdings" panose="05000000000000000000" pitchFamily="2" charset="2"/>
-              <a:buChar char="v"/>
-            </a:pPr>
-            <a:r>
-              <a:rPr lang="en-US" dirty="0" smtClean="0">
-                <a:effectLst>
-                  <a:outerShdw blurRad="38100" dist="38100" dir="2700000" algn="tl">
-                    <a:srgbClr val="000000">
-                      <a:alpha val="43137"/>
-                    </a:srgbClr>
-                  </a:outerShdw>
-                </a:effectLst>
-                <a:latin typeface="Century Gothic" panose="020B0502020202020204" pitchFamily="34" charset="0"/>
-              </a:rPr>
-              <a:t>Less effort to find </a:t>
-            </a:r>
-            <a:r>
-              <a:rPr lang="en-US" dirty="0" smtClean="0">
-                <a:effectLst>
-                  <a:outerShdw blurRad="38100" dist="38100" dir="2700000" algn="tl">
-                    <a:srgbClr val="000000">
-                      <a:alpha val="43137"/>
-                    </a:srgbClr>
-                  </a:outerShdw>
-                </a:effectLst>
-                <a:latin typeface="Century Gothic" panose="020B0502020202020204" pitchFamily="34" charset="0"/>
-              </a:rPr>
-              <a:t>nearby donors</a:t>
-            </a:r>
-            <a:r>
-              <a:rPr lang="en-US" dirty="0" smtClean="0">
-                <a:effectLst>
-                  <a:outerShdw blurRad="38100" dist="38100" dir="2700000" algn="tl">
-                    <a:srgbClr val="000000">
-                      <a:alpha val="43137"/>
-                    </a:srgbClr>
-                  </a:outerShdw>
-                </a:effectLst>
-                <a:latin typeface="Century Gothic" panose="020B0502020202020204" pitchFamily="34" charset="0"/>
-              </a:rPr>
-              <a:t>.</a:t>
-            </a:r>
-            <a:endParaRPr lang="en-US" dirty="0" smtClean="0">
-              <a:effectLst>
-                <a:outerShdw blurRad="38100" dist="38100" dir="2700000" algn="tl">
-                  <a:srgbClr val="000000">
-                    <a:alpha val="43137"/>
-                  </a:srgbClr>
-                </a:outerShdw>
-              </a:effectLst>
-              <a:latin typeface="Century Gothic" panose="020B0502020202020204" pitchFamily="34" charset="0"/>
-            </a:endParaRPr>
+              <a:t>Less effort to find nearby donors.</a:t>
+            </a:r>
           </a:p>
           <a:p>
             <a:pPr algn="just">
@@ -5171,16 +4778,6 @@
               </a:rPr>
               <a:t>.</a:t>
             </a:r>
-            <a:endParaRPr lang="en-US" sz="2800" dirty="0" smtClean="0">
-              <a:effectLst>
-                <a:outerShdw blurRad="38100" dist="38100" dir="2700000" algn="tl">
-                  <a:srgbClr val="000000">
-                    <a:alpha val="43137"/>
-                  </a:srgbClr>
-                </a:outerShdw>
-              </a:effectLst>
-              <a:latin typeface="Century Gothic" panose="020B0502020202020204" pitchFamily="34" charset="0"/>
-            </a:endParaRPr>
           </a:p>
           <a:p>
             <a:pPr algn="just">
@@ -5198,33 +4795,7 @@
                 </a:effectLst>
                 <a:latin typeface="Century Gothic" panose="020B0502020202020204" pitchFamily="34" charset="0"/>
               </a:rPr>
-              <a:t>Easy to </a:t>
-            </a:r>
-            <a:r>
-              <a:rPr lang="en-US" dirty="0" smtClean="0">
-                <a:effectLst>
-                  <a:outerShdw blurRad="38100" dist="38100" dir="2700000" algn="tl">
-                    <a:srgbClr val="000000">
-                      <a:alpha val="43137"/>
-                    </a:srgbClr>
-                  </a:outerShdw>
-                </a:effectLst>
-                <a:latin typeface="Century Gothic" panose="020B0502020202020204" pitchFamily="34" charset="0"/>
-              </a:rPr>
-              <a:t>enlist the eligible, fit and ready donors</a:t>
-            </a:r>
-            <a:r>
-              <a:rPr lang="en-US" dirty="0" smtClean="0">
-                <a:effectLst>
-                  <a:outerShdw blurRad="38100" dist="38100" dir="2700000" algn="tl">
-                    <a:srgbClr val="000000">
-                      <a:alpha val="43137"/>
-                    </a:srgbClr>
-                  </a:outerShdw>
-                </a:effectLst>
-                <a:latin typeface="Century Gothic" panose="020B0502020202020204" pitchFamily="34" charset="0"/>
-              </a:rPr>
-              <a:t>.</a:t>
+              <a:t>Easy to enlist the eligible, fit and ready donors.</a:t>
             </a:r>
             <a:r>
               <a:rPr lang="en-US" sz="2800" dirty="0" smtClean="0">
@@ -5239,16 +4810,6 @@
               </a:rPr>
               <a:t> </a:t>
             </a:r>
-            <a:endParaRPr lang="en-US" sz="2800" dirty="0" smtClean="0">
-              <a:effectLst>
-                <a:outerShdw blurRad="38100" dist="38100" dir="2700000" algn="tl">
-                  <a:srgbClr val="000000">
-                    <a:alpha val="43137"/>
-                  </a:srgbClr>
-                </a:outerShdw>
-              </a:effectLst>
-              <a:latin typeface="Century Gothic" panose="020B0502020202020204" pitchFamily="34" charset="0"/>
-            </a:endParaRPr>
           </a:p>
         </p:txBody>
       </p:sp>
@@ -5382,11 +4943,7 @@
             <a:pPr algn="just"/>
             <a:r>
               <a:rPr lang="en-US" dirty="0" smtClean="0"/>
-              <a:t>OBD </a:t>
-            </a:r>
-            <a:r>
-              <a:rPr lang="en-US" dirty="0" smtClean="0"/>
-              <a:t>will be developed in ASP.NET. </a:t>
+              <a:t>OBD will be developed in ASP.NET. </a:t>
             </a:r>
           </a:p>
           <a:p>
@@ -5423,7 +4980,6 @@
               <a:rPr lang="en-US" dirty="0" smtClean="0"/>
               <a:t>Microsoft SQL server management Studio will be used as database Manager. </a:t>
             </a:r>
-            <a:endParaRPr lang="en-US" dirty="0" smtClean="0"/>
           </a:p>
           <a:p>
             <a:pPr algn="just"/>
@@ -5575,20 +5131,7 @@
                 </a:effectLst>
                 <a:latin typeface="Century Gothic" panose="020B0502020202020204" pitchFamily="34" charset="0"/>
               </a:rPr>
-              <a:t>It will be an online Application to </a:t>
-            </a:r>
-            <a:r>
-              <a:rPr lang="en-US" sz="2800" dirty="0" smtClean="0">
-                <a:effectLst>
-                  <a:outerShdw blurRad="38100" dist="38100" dir="2700000" algn="tl">
-                    <a:srgbClr val="000000">
-                      <a:alpha val="43137"/>
-                    </a:srgbClr>
-                  </a:outerShdw>
-                </a:effectLst>
-                <a:latin typeface="Century Gothic" panose="020B0502020202020204" pitchFamily="34" charset="0"/>
-              </a:rPr>
-              <a:t>give the record of donors and blood centers.</a:t>
+              <a:t>It will be an online Application to give the record of donors and blood centers.</a:t>
             </a:r>
             <a:endParaRPr lang="en-US" dirty="0" smtClean="0">
               <a:effectLst>
@@ -5793,7 +5336,34 @@
           <a:bodyPr/>
           <a:lstStyle/>
           <a:p>
-            <a:endParaRPr lang="en-US"/>
+            <a:r>
+              <a:rPr lang="en-US" dirty="0" smtClean="0">
+                <a:hlinkClick r:id="rId2"/>
+              </a:rPr>
+              <a:t>www.google.com</a:t>
+            </a:r>
+            <a:endParaRPr lang="en-US" dirty="0" smtClean="0"/>
+          </a:p>
+          <a:p>
+            <a:r>
+              <a:rPr lang="en-US">
+                <a:hlinkClick r:id="rId3"/>
+              </a:rPr>
+              <a:t>http://</a:t>
+            </a:r>
+            <a:r>
+              <a:rPr lang="en-US">
+                <a:hlinkClick r:id="rId3"/>
+              </a:rPr>
+              <a:t>raktadaan.org</a:t>
+            </a:r>
+            <a:r>
+              <a:rPr lang="en-US" smtClean="0">
+                <a:hlinkClick r:id="rId3"/>
+              </a:rPr>
+              <a:t>/</a:t>
+            </a:r>
+            <a:endParaRPr lang="en-US" smtClean="0"/>
           </a:p>
         </p:txBody>
       </p:sp>
